--- a/Presentations/3-final_presentation.pptx
+++ b/Presentations/3-final_presentation.pptx
@@ -12113,7 +12113,7 @@
                   </a:schemeClr>
                 </a:solidFill>
               </a:rPr>
-              <a:t>Demonstrated measurable reductions in hallucination using domain-aware retrieval.</a:t>
+              <a:t>Improved answer grounding and source alignment in regulatory Q&amp;A.</a:t>
             </a:r>
             <a:endParaRPr lang="en-US" sz="1800" dirty="0">
               <a:solidFill>
@@ -14124,7 +14124,7 @@
         </p:nvSpPr>
         <p:spPr>
           <a:xfrm>
-            <a:off x="698681" y="535612"/>
+            <a:off x="480436" y="244659"/>
             <a:ext cx="1966162" cy="507831"/>
           </a:xfrm>
           <a:prstGeom prst="rect">
@@ -14179,7 +14179,7 @@
         </p:nvSpPr>
         <p:spPr>
           <a:xfrm>
-            <a:off x="571500" y="535612"/>
+            <a:off x="353255" y="244659"/>
             <a:ext cx="57150" cy="504825"/>
           </a:xfrm>
           <a:prstGeom prst="rect">
